--- a/Modul_10_Tipps/Tipps.pptx
+++ b/Modul_10_Tipps/Tipps.pptx
@@ -5,10 +5,13 @@
     <p:sldMasterId id="2147483648" r:id="rId1"/>
   </p:sldMasterIdLst>
   <p:notesMasterIdLst>
-    <p:notesMasterId r:id="rId3"/>
+    <p:notesMasterId r:id="rId6"/>
   </p:notesMasterIdLst>
   <p:sldIdLst>
-    <p:sldId id="257" r:id="rId2"/>
+    <p:sldId id="258" r:id="rId2"/>
+    <p:sldId id="259" r:id="rId3"/>
+    <p:sldId id="260" r:id="rId4"/>
+    <p:sldId id="261" r:id="rId5"/>
   </p:sldIdLst>
   <p:sldSz cx="12192000" cy="6858000"/>
   <p:notesSz cx="6858000" cy="9144000"/>
@@ -197,7 +200,7 @@
           <a:p>
             <a:fld id="{E9DAB8B5-B9A3-426D-91D9-D7966B0F2B79}" type="datetimeFigureOut">
               <a:rPr lang="de-DE" smtClean="0"/>
-              <a:t>14.11.2021</a:t>
+              <a:t>21.11.2021</a:t>
             </a:fld>
             <a:endParaRPr lang="de-DE"/>
           </a:p>
@@ -539,7 +542,259 @@
     </p:spTree>
     <p:extLst>
       <p:ext uri="{BB962C8B-B14F-4D97-AF65-F5344CB8AC3E}">
-        <p14:creationId xmlns:p14="http://schemas.microsoft.com/office/powerpoint/2010/main" val="680033503"/>
+        <p14:creationId xmlns:p14="http://schemas.microsoft.com/office/powerpoint/2010/main" val="1041002033"/>
+      </p:ext>
+    </p:extLst>
+  </p:cSld>
+  <p:clrMapOvr>
+    <a:masterClrMapping/>
+  </p:clrMapOvr>
+</p:notes>
+</file>
+
+<file path=ppt/notesSlides/notesSlide2.xml><?xml version="1.0" encoding="utf-8"?>
+<p:notes xmlns:a="http://schemas.openxmlformats.org/drawingml/2006/main" xmlns:r="http://schemas.openxmlformats.org/officeDocument/2006/relationships" xmlns:p="http://schemas.openxmlformats.org/presentationml/2006/main">
+  <p:cSld>
+    <p:spTree>
+      <p:nvGrpSpPr>
+        <p:cNvPr id="1" name=""/>
+        <p:cNvGrpSpPr/>
+        <p:nvPr/>
+      </p:nvGrpSpPr>
+      <p:grpSpPr>
+        <a:xfrm>
+          <a:off x="0" y="0"/>
+          <a:ext cx="0" cy="0"/>
+          <a:chOff x="0" y="0"/>
+          <a:chExt cx="0" cy="0"/>
+        </a:xfrm>
+      </p:grpSpPr>
+      <p:sp>
+        <p:nvSpPr>
+          <p:cNvPr id="2" name="Folienbildplatzhalter 1"/>
+          <p:cNvSpPr>
+            <a:spLocks noGrp="1" noRot="1" noChangeAspect="1"/>
+          </p:cNvSpPr>
+          <p:nvPr>
+            <p:ph type="sldImg"/>
+          </p:nvPr>
+        </p:nvSpPr>
+        <p:spPr/>
+      </p:sp>
+      <p:sp>
+        <p:nvSpPr>
+          <p:cNvPr id="3" name="Notizenplatzhalter 2"/>
+          <p:cNvSpPr>
+            <a:spLocks noGrp="1"/>
+          </p:cNvSpPr>
+          <p:nvPr>
+            <p:ph type="body" idx="1"/>
+          </p:nvPr>
+        </p:nvSpPr>
+        <p:spPr/>
+        <p:txBody>
+          <a:bodyPr/>
+          <a:lstStyle/>
+          <a:p>
+            <a:endParaRPr lang="de-DE" dirty="0"/>
+          </a:p>
+        </p:txBody>
+      </p:sp>
+      <p:sp>
+        <p:nvSpPr>
+          <p:cNvPr id="4" name="Foliennummernplatzhalter 3"/>
+          <p:cNvSpPr>
+            <a:spLocks noGrp="1"/>
+          </p:cNvSpPr>
+          <p:nvPr>
+            <p:ph type="sldNum" sz="quarter" idx="10"/>
+          </p:nvPr>
+        </p:nvSpPr>
+        <p:spPr/>
+        <p:txBody>
+          <a:bodyPr/>
+          <a:lstStyle/>
+          <a:p>
+            <a:fld id="{E58C7EAB-645A-4FBB-B6AF-831236EEB6FB}" type="slidenum">
+              <a:rPr lang="de-DE" smtClean="0"/>
+              <a:t>2</a:t>
+            </a:fld>
+            <a:endParaRPr lang="de-DE"/>
+          </a:p>
+        </p:txBody>
+      </p:sp>
+    </p:spTree>
+    <p:extLst>
+      <p:ext uri="{BB962C8B-B14F-4D97-AF65-F5344CB8AC3E}">
+        <p14:creationId xmlns:p14="http://schemas.microsoft.com/office/powerpoint/2010/main" val="3312766638"/>
+      </p:ext>
+    </p:extLst>
+  </p:cSld>
+  <p:clrMapOvr>
+    <a:masterClrMapping/>
+  </p:clrMapOvr>
+</p:notes>
+</file>
+
+<file path=ppt/notesSlides/notesSlide3.xml><?xml version="1.0" encoding="utf-8"?>
+<p:notes xmlns:a="http://schemas.openxmlformats.org/drawingml/2006/main" xmlns:r="http://schemas.openxmlformats.org/officeDocument/2006/relationships" xmlns:p="http://schemas.openxmlformats.org/presentationml/2006/main">
+  <p:cSld>
+    <p:spTree>
+      <p:nvGrpSpPr>
+        <p:cNvPr id="1" name=""/>
+        <p:cNvGrpSpPr/>
+        <p:nvPr/>
+      </p:nvGrpSpPr>
+      <p:grpSpPr>
+        <a:xfrm>
+          <a:off x="0" y="0"/>
+          <a:ext cx="0" cy="0"/>
+          <a:chOff x="0" y="0"/>
+          <a:chExt cx="0" cy="0"/>
+        </a:xfrm>
+      </p:grpSpPr>
+      <p:sp>
+        <p:nvSpPr>
+          <p:cNvPr id="2" name="Folienbildplatzhalter 1"/>
+          <p:cNvSpPr>
+            <a:spLocks noGrp="1" noRot="1" noChangeAspect="1"/>
+          </p:cNvSpPr>
+          <p:nvPr>
+            <p:ph type="sldImg"/>
+          </p:nvPr>
+        </p:nvSpPr>
+        <p:spPr/>
+      </p:sp>
+      <p:sp>
+        <p:nvSpPr>
+          <p:cNvPr id="3" name="Notizenplatzhalter 2"/>
+          <p:cNvSpPr>
+            <a:spLocks noGrp="1"/>
+          </p:cNvSpPr>
+          <p:nvPr>
+            <p:ph type="body" idx="1"/>
+          </p:nvPr>
+        </p:nvSpPr>
+        <p:spPr/>
+        <p:txBody>
+          <a:bodyPr/>
+          <a:lstStyle/>
+          <a:p>
+            <a:endParaRPr lang="de-DE" dirty="0"/>
+          </a:p>
+        </p:txBody>
+      </p:sp>
+      <p:sp>
+        <p:nvSpPr>
+          <p:cNvPr id="4" name="Foliennummernplatzhalter 3"/>
+          <p:cNvSpPr>
+            <a:spLocks noGrp="1"/>
+          </p:cNvSpPr>
+          <p:nvPr>
+            <p:ph type="sldNum" sz="quarter" idx="10"/>
+          </p:nvPr>
+        </p:nvSpPr>
+        <p:spPr/>
+        <p:txBody>
+          <a:bodyPr/>
+          <a:lstStyle/>
+          <a:p>
+            <a:fld id="{E58C7EAB-645A-4FBB-B6AF-831236EEB6FB}" type="slidenum">
+              <a:rPr lang="de-DE" smtClean="0"/>
+              <a:t>3</a:t>
+            </a:fld>
+            <a:endParaRPr lang="de-DE"/>
+          </a:p>
+        </p:txBody>
+      </p:sp>
+    </p:spTree>
+    <p:extLst>
+      <p:ext uri="{BB962C8B-B14F-4D97-AF65-F5344CB8AC3E}">
+        <p14:creationId xmlns:p14="http://schemas.microsoft.com/office/powerpoint/2010/main" val="3585059947"/>
+      </p:ext>
+    </p:extLst>
+  </p:cSld>
+  <p:clrMapOvr>
+    <a:masterClrMapping/>
+  </p:clrMapOvr>
+</p:notes>
+</file>
+
+<file path=ppt/notesSlides/notesSlide4.xml><?xml version="1.0" encoding="utf-8"?>
+<p:notes xmlns:a="http://schemas.openxmlformats.org/drawingml/2006/main" xmlns:r="http://schemas.openxmlformats.org/officeDocument/2006/relationships" xmlns:p="http://schemas.openxmlformats.org/presentationml/2006/main">
+  <p:cSld>
+    <p:spTree>
+      <p:nvGrpSpPr>
+        <p:cNvPr id="1" name=""/>
+        <p:cNvGrpSpPr/>
+        <p:nvPr/>
+      </p:nvGrpSpPr>
+      <p:grpSpPr>
+        <a:xfrm>
+          <a:off x="0" y="0"/>
+          <a:ext cx="0" cy="0"/>
+          <a:chOff x="0" y="0"/>
+          <a:chExt cx="0" cy="0"/>
+        </a:xfrm>
+      </p:grpSpPr>
+      <p:sp>
+        <p:nvSpPr>
+          <p:cNvPr id="2" name="Folienbildplatzhalter 1"/>
+          <p:cNvSpPr>
+            <a:spLocks noGrp="1" noRot="1" noChangeAspect="1"/>
+          </p:cNvSpPr>
+          <p:nvPr>
+            <p:ph type="sldImg"/>
+          </p:nvPr>
+        </p:nvSpPr>
+        <p:spPr/>
+      </p:sp>
+      <p:sp>
+        <p:nvSpPr>
+          <p:cNvPr id="3" name="Notizenplatzhalter 2"/>
+          <p:cNvSpPr>
+            <a:spLocks noGrp="1"/>
+          </p:cNvSpPr>
+          <p:nvPr>
+            <p:ph type="body" idx="1"/>
+          </p:nvPr>
+        </p:nvSpPr>
+        <p:spPr/>
+        <p:txBody>
+          <a:bodyPr/>
+          <a:lstStyle/>
+          <a:p>
+            <a:endParaRPr lang="de-DE" dirty="0"/>
+          </a:p>
+        </p:txBody>
+      </p:sp>
+      <p:sp>
+        <p:nvSpPr>
+          <p:cNvPr id="4" name="Foliennummernplatzhalter 3"/>
+          <p:cNvSpPr>
+            <a:spLocks noGrp="1"/>
+          </p:cNvSpPr>
+          <p:nvPr>
+            <p:ph type="sldNum" sz="quarter" idx="10"/>
+          </p:nvPr>
+        </p:nvSpPr>
+        <p:spPr/>
+        <p:txBody>
+          <a:bodyPr/>
+          <a:lstStyle/>
+          <a:p>
+            <a:fld id="{E58C7EAB-645A-4FBB-B6AF-831236EEB6FB}" type="slidenum">
+              <a:rPr lang="de-DE" smtClean="0"/>
+              <a:t>4</a:t>
+            </a:fld>
+            <a:endParaRPr lang="de-DE"/>
+          </a:p>
+        </p:txBody>
+      </p:sp>
+    </p:spTree>
+    <p:extLst>
+      <p:ext uri="{BB962C8B-B14F-4D97-AF65-F5344CB8AC3E}">
+        <p14:creationId xmlns:p14="http://schemas.microsoft.com/office/powerpoint/2010/main" val="4242617882"/>
       </p:ext>
     </p:extLst>
   </p:cSld>
@@ -680,7 +935,7 @@
           <a:p>
             <a:fld id="{6CBA03CC-73C5-46A8-8DFB-B5DC4577D8E2}" type="datetimeFigureOut">
               <a:rPr lang="de-DE" smtClean="0"/>
-              <a:t>14.11.2021</a:t>
+              <a:t>21.11.2021</a:t>
             </a:fld>
             <a:endParaRPr lang="de-DE"/>
           </a:p>
@@ -850,7 +1105,7 @@
           <a:p>
             <a:fld id="{6CBA03CC-73C5-46A8-8DFB-B5DC4577D8E2}" type="datetimeFigureOut">
               <a:rPr lang="de-DE" smtClean="0"/>
-              <a:t>14.11.2021</a:t>
+              <a:t>21.11.2021</a:t>
             </a:fld>
             <a:endParaRPr lang="de-DE"/>
           </a:p>
@@ -1030,7 +1285,7 @@
           <a:p>
             <a:fld id="{6CBA03CC-73C5-46A8-8DFB-B5DC4577D8E2}" type="datetimeFigureOut">
               <a:rPr lang="de-DE" smtClean="0"/>
-              <a:t>14.11.2021</a:t>
+              <a:t>21.11.2021</a:t>
             </a:fld>
             <a:endParaRPr lang="de-DE"/>
           </a:p>
@@ -1200,7 +1455,7 @@
           <a:p>
             <a:fld id="{6CBA03CC-73C5-46A8-8DFB-B5DC4577D8E2}" type="datetimeFigureOut">
               <a:rPr lang="de-DE" smtClean="0"/>
-              <a:t>14.11.2021</a:t>
+              <a:t>21.11.2021</a:t>
             </a:fld>
             <a:endParaRPr lang="de-DE"/>
           </a:p>
@@ -1446,7 +1701,7 @@
           <a:p>
             <a:fld id="{6CBA03CC-73C5-46A8-8DFB-B5DC4577D8E2}" type="datetimeFigureOut">
               <a:rPr lang="de-DE" smtClean="0"/>
-              <a:t>14.11.2021</a:t>
+              <a:t>21.11.2021</a:t>
             </a:fld>
             <a:endParaRPr lang="de-DE"/>
           </a:p>
@@ -1678,7 +1933,7 @@
           <a:p>
             <a:fld id="{6CBA03CC-73C5-46A8-8DFB-B5DC4577D8E2}" type="datetimeFigureOut">
               <a:rPr lang="de-DE" smtClean="0"/>
-              <a:t>14.11.2021</a:t>
+              <a:t>21.11.2021</a:t>
             </a:fld>
             <a:endParaRPr lang="de-DE"/>
           </a:p>
@@ -2045,7 +2300,7 @@
           <a:p>
             <a:fld id="{6CBA03CC-73C5-46A8-8DFB-B5DC4577D8E2}" type="datetimeFigureOut">
               <a:rPr lang="de-DE" smtClean="0"/>
-              <a:t>14.11.2021</a:t>
+              <a:t>21.11.2021</a:t>
             </a:fld>
             <a:endParaRPr lang="de-DE"/>
           </a:p>
@@ -2163,7 +2418,7 @@
           <a:p>
             <a:fld id="{6CBA03CC-73C5-46A8-8DFB-B5DC4577D8E2}" type="datetimeFigureOut">
               <a:rPr lang="de-DE" smtClean="0"/>
-              <a:t>14.11.2021</a:t>
+              <a:t>21.11.2021</a:t>
             </a:fld>
             <a:endParaRPr lang="de-DE"/>
           </a:p>
@@ -2258,7 +2513,7 @@
           <a:p>
             <a:fld id="{6CBA03CC-73C5-46A8-8DFB-B5DC4577D8E2}" type="datetimeFigureOut">
               <a:rPr lang="de-DE" smtClean="0"/>
-              <a:t>14.11.2021</a:t>
+              <a:t>21.11.2021</a:t>
             </a:fld>
             <a:endParaRPr lang="de-DE"/>
           </a:p>
@@ -2535,7 +2790,7 @@
           <a:p>
             <a:fld id="{6CBA03CC-73C5-46A8-8DFB-B5DC4577D8E2}" type="datetimeFigureOut">
               <a:rPr lang="de-DE" smtClean="0"/>
-              <a:t>14.11.2021</a:t>
+              <a:t>21.11.2021</a:t>
             </a:fld>
             <a:endParaRPr lang="de-DE"/>
           </a:p>
@@ -2788,7 +3043,7 @@
           <a:p>
             <a:fld id="{6CBA03CC-73C5-46A8-8DFB-B5DC4577D8E2}" type="datetimeFigureOut">
               <a:rPr lang="de-DE" smtClean="0"/>
-              <a:t>14.11.2021</a:t>
+              <a:t>21.11.2021</a:t>
             </a:fld>
             <a:endParaRPr lang="de-DE"/>
           </a:p>
@@ -3001,7 +3256,7 @@
           <a:p>
             <a:fld id="{6CBA03CC-73C5-46A8-8DFB-B5DC4577D8E2}" type="datetimeFigureOut">
               <a:rPr lang="de-DE" smtClean="0"/>
-              <a:t>14.11.2021</a:t>
+              <a:t>21.11.2021</a:t>
             </a:fld>
             <a:endParaRPr lang="de-DE"/>
           </a:p>
@@ -3422,8 +3677,16 @@
           <a:lstStyle/>
           <a:p>
             <a:r>
-              <a:rPr lang="de-DE" smtClean="0"/>
-              <a:t>Best Practices</a:t>
+              <a:rPr lang="de-DE" dirty="0" err="1" smtClean="0"/>
+              <a:t>Lessons</a:t>
+            </a:r>
+            <a:r>
+              <a:rPr lang="de-DE" dirty="0" smtClean="0"/>
+              <a:t> </a:t>
+            </a:r>
+            <a:r>
+              <a:rPr lang="de-DE" dirty="0" err="1" smtClean="0"/>
+              <a:t>Learned</a:t>
             </a:r>
             <a:endParaRPr lang="de-DE" dirty="0"/>
           </a:p>
@@ -3449,17 +3712,961 @@
           <a:bodyPr/>
           <a:lstStyle/>
           <a:p>
-            <a:pPr marL="0" indent="0">
-              <a:buNone/>
-            </a:pPr>
-            <a:endParaRPr lang="de-DE" dirty="0" smtClean="0"/>
+            <a:r>
+              <a:rPr lang="de-DE" dirty="0" smtClean="0"/>
+              <a:t>Ein erfolgreiches </a:t>
+            </a:r>
+            <a:r>
+              <a:rPr lang="de-DE" i="1" dirty="0" err="1" smtClean="0"/>
+              <a:t>terraform</a:t>
+            </a:r>
+            <a:r>
+              <a:rPr lang="de-DE" i="1" dirty="0" smtClean="0"/>
+              <a:t> plan </a:t>
+            </a:r>
+            <a:r>
+              <a:rPr lang="de-DE" dirty="0" smtClean="0"/>
+              <a:t>führt nicht unbedingt zu einem erfolgreichen </a:t>
+            </a:r>
+            <a:r>
+              <a:rPr lang="de-DE" i="1" dirty="0" err="1" smtClean="0"/>
+              <a:t>terrform</a:t>
+            </a:r>
+            <a:r>
+              <a:rPr lang="de-DE" i="1" dirty="0" smtClean="0"/>
+              <a:t> </a:t>
+            </a:r>
+            <a:r>
+              <a:rPr lang="de-DE" i="1" dirty="0" err="1" smtClean="0"/>
+              <a:t>apply</a:t>
+            </a:r>
+            <a:endParaRPr lang="de-DE" i="1" dirty="0" smtClean="0"/>
+          </a:p>
+          <a:p>
+            <a:endParaRPr lang="de-DE" i="1" dirty="0"/>
+          </a:p>
+          <a:p>
+            <a:endParaRPr lang="de-DE" i="1" dirty="0" smtClean="0"/>
+          </a:p>
+          <a:p>
+            <a:endParaRPr lang="de-DE" i="1" dirty="0"/>
+          </a:p>
+          <a:p>
+            <a:r>
+              <a:rPr lang="de-DE" dirty="0" smtClean="0"/>
+              <a:t>Wenn Terraform eingesetzt wird sollten alle Ressourcen des jeweiligen Accounts per Terraform </a:t>
+            </a:r>
+            <a:r>
+              <a:rPr lang="de-DE" dirty="0" err="1" smtClean="0"/>
+              <a:t>gemanged</a:t>
+            </a:r>
+            <a:r>
+              <a:rPr lang="de-DE" dirty="0" smtClean="0"/>
+              <a:t> werden</a:t>
+            </a:r>
+          </a:p>
+        </p:txBody>
+      </p:sp>
+      <p:sp>
+        <p:nvSpPr>
+          <p:cNvPr id="4" name="Rechteck 3"/>
+          <p:cNvSpPr/>
+          <p:nvPr/>
+        </p:nvSpPr>
+        <p:spPr>
+          <a:xfrm>
+            <a:off x="1041400" y="2859670"/>
+            <a:ext cx="9516533" cy="923330"/>
+          </a:xfrm>
+          <a:prstGeom prst="rect">
+            <a:avLst/>
+          </a:prstGeom>
+          <a:solidFill>
+            <a:schemeClr val="tx1"/>
+          </a:solidFill>
+        </p:spPr>
+        <p:txBody>
+          <a:bodyPr wrap="square">
+            <a:spAutoFit/>
+          </a:bodyPr>
+          <a:lstStyle/>
+          <a:p>
+            <a:r>
+              <a:rPr lang="de-DE" dirty="0" smtClean="0">
+                <a:solidFill>
+                  <a:srgbClr val="FF0000"/>
+                </a:solidFill>
+              </a:rPr>
+              <a:t>Error</a:t>
+            </a:r>
+            <a:r>
+              <a:rPr lang="de-DE" dirty="0">
+                <a:solidFill>
+                  <a:srgbClr val="FF0000"/>
+                </a:solidFill>
+              </a:rPr>
+              <a:t>: </a:t>
+            </a:r>
+            <a:r>
+              <a:rPr lang="de-DE" dirty="0">
+                <a:solidFill>
+                  <a:schemeClr val="bg1">
+                    <a:lumMod val="75000"/>
+                  </a:schemeClr>
+                </a:solidFill>
+              </a:rPr>
+              <a:t>Error </a:t>
+            </a:r>
+            <a:r>
+              <a:rPr lang="de-DE" dirty="0" err="1">
+                <a:solidFill>
+                  <a:schemeClr val="bg1">
+                    <a:lumMod val="75000"/>
+                  </a:schemeClr>
+                </a:solidFill>
+              </a:rPr>
+              <a:t>creating</a:t>
+            </a:r>
+            <a:r>
+              <a:rPr lang="de-DE" dirty="0">
+                <a:solidFill>
+                  <a:schemeClr val="bg1">
+                    <a:lumMod val="75000"/>
+                  </a:schemeClr>
+                </a:solidFill>
+              </a:rPr>
+              <a:t> Security Group: </a:t>
+            </a:r>
+            <a:r>
+              <a:rPr lang="de-DE" dirty="0" err="1">
+                <a:solidFill>
+                  <a:schemeClr val="bg1">
+                    <a:lumMod val="75000"/>
+                  </a:schemeClr>
+                </a:solidFill>
+              </a:rPr>
+              <a:t>InvalidGroup.Duplicate</a:t>
+            </a:r>
+            <a:r>
+              <a:rPr lang="de-DE" dirty="0">
+                <a:solidFill>
+                  <a:schemeClr val="bg1">
+                    <a:lumMod val="75000"/>
+                  </a:schemeClr>
+                </a:solidFill>
+              </a:rPr>
+              <a:t>: The </a:t>
+            </a:r>
+            <a:r>
+              <a:rPr lang="de-DE" dirty="0" err="1">
+                <a:solidFill>
+                  <a:schemeClr val="bg1">
+                    <a:lumMod val="75000"/>
+                  </a:schemeClr>
+                </a:solidFill>
+              </a:rPr>
+              <a:t>security</a:t>
+            </a:r>
+            <a:r>
+              <a:rPr lang="de-DE" dirty="0">
+                <a:solidFill>
+                  <a:schemeClr val="bg1">
+                    <a:lumMod val="75000"/>
+                  </a:schemeClr>
+                </a:solidFill>
+              </a:rPr>
+              <a:t> </a:t>
+            </a:r>
+            <a:r>
+              <a:rPr lang="de-DE" dirty="0" err="1">
+                <a:solidFill>
+                  <a:schemeClr val="bg1">
+                    <a:lumMod val="75000"/>
+                  </a:schemeClr>
+                </a:solidFill>
+              </a:rPr>
+              <a:t>group</a:t>
+            </a:r>
+            <a:r>
+              <a:rPr lang="de-DE" dirty="0">
+                <a:solidFill>
+                  <a:schemeClr val="bg1">
+                    <a:lumMod val="75000"/>
+                  </a:schemeClr>
+                </a:solidFill>
+              </a:rPr>
+              <a:t> '</a:t>
+            </a:r>
+            <a:r>
+              <a:rPr lang="de-DE" dirty="0" err="1">
+                <a:solidFill>
+                  <a:schemeClr val="bg1">
+                    <a:lumMod val="75000"/>
+                  </a:schemeClr>
+                </a:solidFill>
+              </a:rPr>
+              <a:t>webserver</a:t>
+            </a:r>
+            <a:r>
+              <a:rPr lang="de-DE" dirty="0">
+                <a:solidFill>
+                  <a:schemeClr val="bg1">
+                    <a:lumMod val="75000"/>
+                  </a:schemeClr>
+                </a:solidFill>
+              </a:rPr>
+              <a:t>' </a:t>
+            </a:r>
+            <a:r>
+              <a:rPr lang="de-DE" dirty="0" err="1">
+                <a:solidFill>
+                  <a:schemeClr val="bg1">
+                    <a:lumMod val="75000"/>
+                  </a:schemeClr>
+                </a:solidFill>
+              </a:rPr>
+              <a:t>already</a:t>
+            </a:r>
+            <a:r>
+              <a:rPr lang="de-DE" dirty="0">
+                <a:solidFill>
+                  <a:schemeClr val="bg1">
+                    <a:lumMod val="75000"/>
+                  </a:schemeClr>
+                </a:solidFill>
+              </a:rPr>
+              <a:t> </a:t>
+            </a:r>
+            <a:r>
+              <a:rPr lang="de-DE" dirty="0" err="1">
+                <a:solidFill>
+                  <a:schemeClr val="bg1">
+                    <a:lumMod val="75000"/>
+                  </a:schemeClr>
+                </a:solidFill>
+              </a:rPr>
+              <a:t>exists</a:t>
+            </a:r>
+            <a:r>
+              <a:rPr lang="de-DE" dirty="0">
+                <a:solidFill>
+                  <a:schemeClr val="bg1">
+                    <a:lumMod val="75000"/>
+                  </a:schemeClr>
+                </a:solidFill>
+              </a:rPr>
+              <a:t> </a:t>
+            </a:r>
+            <a:r>
+              <a:rPr lang="de-DE" dirty="0" err="1">
+                <a:solidFill>
+                  <a:schemeClr val="bg1">
+                    <a:lumMod val="75000"/>
+                  </a:schemeClr>
+                </a:solidFill>
+              </a:rPr>
+              <a:t>for</a:t>
+            </a:r>
+            <a:r>
+              <a:rPr lang="de-DE" dirty="0">
+                <a:solidFill>
+                  <a:schemeClr val="bg1">
+                    <a:lumMod val="75000"/>
+                  </a:schemeClr>
+                </a:solidFill>
+              </a:rPr>
+              <a:t> VPC 'vpc-0f8bf7224be488497'</a:t>
+            </a:r>
+          </a:p>
+          <a:p>
+            <a:r>
+              <a:rPr lang="de-DE" dirty="0" smtClean="0">
+                <a:solidFill>
+                  <a:schemeClr val="bg1">
+                    <a:lumMod val="75000"/>
+                  </a:schemeClr>
+                </a:solidFill>
+              </a:rPr>
+              <a:t>       </a:t>
+            </a:r>
+            <a:r>
+              <a:rPr lang="de-DE" dirty="0" err="1">
+                <a:solidFill>
+                  <a:schemeClr val="bg1">
+                    <a:lumMod val="75000"/>
+                  </a:schemeClr>
+                </a:solidFill>
+              </a:rPr>
+              <a:t>status</a:t>
+            </a:r>
+            <a:r>
+              <a:rPr lang="de-DE" dirty="0">
+                <a:solidFill>
+                  <a:schemeClr val="bg1">
+                    <a:lumMod val="75000"/>
+                  </a:schemeClr>
+                </a:solidFill>
+              </a:rPr>
+              <a:t> </a:t>
+            </a:r>
+            <a:r>
+              <a:rPr lang="de-DE" dirty="0" err="1">
+                <a:solidFill>
+                  <a:schemeClr val="bg1">
+                    <a:lumMod val="75000"/>
+                  </a:schemeClr>
+                </a:solidFill>
+              </a:rPr>
+              <a:t>code</a:t>
+            </a:r>
+            <a:r>
+              <a:rPr lang="de-DE" dirty="0">
+                <a:solidFill>
+                  <a:schemeClr val="bg1">
+                    <a:lumMod val="75000"/>
+                  </a:schemeClr>
+                </a:solidFill>
+              </a:rPr>
+              <a:t>: 400, </a:t>
+            </a:r>
+            <a:r>
+              <a:rPr lang="de-DE" dirty="0" err="1">
+                <a:solidFill>
+                  <a:schemeClr val="bg1">
+                    <a:lumMod val="75000"/>
+                  </a:schemeClr>
+                </a:solidFill>
+              </a:rPr>
+              <a:t>request</a:t>
+            </a:r>
+            <a:r>
+              <a:rPr lang="de-DE" dirty="0">
+                <a:solidFill>
+                  <a:schemeClr val="bg1">
+                    <a:lumMod val="75000"/>
+                  </a:schemeClr>
+                </a:solidFill>
+              </a:rPr>
+              <a:t> </a:t>
+            </a:r>
+            <a:r>
+              <a:rPr lang="de-DE" dirty="0" err="1">
+                <a:solidFill>
+                  <a:schemeClr val="bg1">
+                    <a:lumMod val="75000"/>
+                  </a:schemeClr>
+                </a:solidFill>
+              </a:rPr>
+              <a:t>id</a:t>
+            </a:r>
+            <a:r>
+              <a:rPr lang="de-DE" dirty="0">
+                <a:solidFill>
+                  <a:schemeClr val="bg1">
+                    <a:lumMod val="75000"/>
+                  </a:schemeClr>
+                </a:solidFill>
+              </a:rPr>
+              <a:t>: c7ca1493-5fbd-437b-a5a5-277062b0c3d4</a:t>
+            </a:r>
           </a:p>
         </p:txBody>
       </p:sp>
     </p:spTree>
     <p:extLst>
       <p:ext uri="{BB962C8B-B14F-4D97-AF65-F5344CB8AC3E}">
-        <p14:creationId xmlns:p14="http://schemas.microsoft.com/office/powerpoint/2010/main" val="2162453654"/>
+        <p14:creationId xmlns:p14="http://schemas.microsoft.com/office/powerpoint/2010/main" val="2955313894"/>
+      </p:ext>
+    </p:extLst>
+  </p:cSld>
+  <p:clrMapOvr>
+    <a:masterClrMapping/>
+  </p:clrMapOvr>
+  <p:timing>
+    <p:tnLst>
+      <p:par>
+        <p:cTn id="1" dur="indefinite" restart="never" nodeType="tmRoot"/>
+      </p:par>
+    </p:tnLst>
+  </p:timing>
+</p:sld>
+</file>
+
+<file path=ppt/slides/slide2.xml><?xml version="1.0" encoding="utf-8"?>
+<p:sld xmlns:a="http://schemas.openxmlformats.org/drawingml/2006/main" xmlns:r="http://schemas.openxmlformats.org/officeDocument/2006/relationships" xmlns:p="http://schemas.openxmlformats.org/presentationml/2006/main">
+  <p:cSld>
+    <p:spTree>
+      <p:nvGrpSpPr>
+        <p:cNvPr id="1" name=""/>
+        <p:cNvGrpSpPr/>
+        <p:nvPr/>
+      </p:nvGrpSpPr>
+      <p:grpSpPr>
+        <a:xfrm>
+          <a:off x="0" y="0"/>
+          <a:ext cx="0" cy="0"/>
+          <a:chOff x="0" y="0"/>
+          <a:chExt cx="0" cy="0"/>
+        </a:xfrm>
+      </p:grpSpPr>
+      <p:sp>
+        <p:nvSpPr>
+          <p:cNvPr id="2" name="Titel 1"/>
+          <p:cNvSpPr>
+            <a:spLocks noGrp="1"/>
+          </p:cNvSpPr>
+          <p:nvPr>
+            <p:ph type="title"/>
+          </p:nvPr>
+        </p:nvSpPr>
+        <p:spPr/>
+        <p:txBody>
+          <a:bodyPr/>
+          <a:lstStyle/>
+          <a:p>
+            <a:r>
+              <a:rPr lang="de-DE" dirty="0" err="1" smtClean="0"/>
+              <a:t>Lessons</a:t>
+            </a:r>
+            <a:r>
+              <a:rPr lang="de-DE" dirty="0" smtClean="0"/>
+              <a:t> </a:t>
+            </a:r>
+            <a:r>
+              <a:rPr lang="de-DE" dirty="0" err="1" smtClean="0"/>
+              <a:t>Learned</a:t>
+            </a:r>
+            <a:endParaRPr lang="de-DE" dirty="0"/>
+          </a:p>
+        </p:txBody>
+      </p:sp>
+      <p:sp>
+        <p:nvSpPr>
+          <p:cNvPr id="3" name="Inhaltsplatzhalter 2"/>
+          <p:cNvSpPr>
+            <a:spLocks noGrp="1"/>
+          </p:cNvSpPr>
+          <p:nvPr>
+            <p:ph idx="1"/>
+          </p:nvPr>
+        </p:nvSpPr>
+        <p:spPr>
+          <a:xfrm>
+            <a:off x="838200" y="1825625"/>
+            <a:ext cx="5579533" cy="4351338"/>
+          </a:xfrm>
+        </p:spPr>
+        <p:txBody>
+          <a:bodyPr/>
+          <a:lstStyle/>
+          <a:p>
+            <a:r>
+              <a:rPr lang="de-DE" dirty="0" smtClean="0"/>
+              <a:t>Die Dokumentation ist euer Freund</a:t>
+            </a:r>
+          </a:p>
+          <a:p>
+            <a:pPr lvl="1"/>
+            <a:r>
+              <a:rPr lang="de-DE" dirty="0" smtClean="0"/>
+              <a:t>Checken der </a:t>
+            </a:r>
+            <a:r>
+              <a:rPr lang="de-DE" dirty="0" smtClean="0">
+                <a:hlinkClick r:id="rId3"/>
+              </a:rPr>
+              <a:t>Provider-Registry</a:t>
+            </a:r>
+            <a:r>
+              <a:rPr lang="de-DE" dirty="0" smtClean="0"/>
+              <a:t> um die existieren Ressourcen und deren Konfigurationsmöglichkeiten kennenzulernen</a:t>
+            </a:r>
+          </a:p>
+          <a:p>
+            <a:pPr lvl="1"/>
+            <a:r>
+              <a:rPr lang="de-DE" dirty="0" smtClean="0"/>
+              <a:t>Regelmäßiges sichten der </a:t>
+            </a:r>
+            <a:r>
+              <a:rPr lang="de-DE" dirty="0" smtClean="0">
+                <a:hlinkClick r:id="rId4"/>
+              </a:rPr>
+              <a:t>Change-Logs </a:t>
+            </a:r>
+            <a:r>
+              <a:rPr lang="de-DE" dirty="0" smtClean="0"/>
+              <a:t>der von euch verwendeten Provider</a:t>
+            </a:r>
+          </a:p>
+        </p:txBody>
+      </p:sp>
+      <p:pic>
+        <p:nvPicPr>
+          <p:cNvPr id="5" name="Grafik 4"/>
+          <p:cNvPicPr>
+            <a:picLocks noChangeAspect="1"/>
+          </p:cNvPicPr>
+          <p:nvPr/>
+        </p:nvPicPr>
+        <p:blipFill>
+          <a:blip r:embed="rId5">
+            <a:extLst>
+              <a:ext uri="{28A0092B-C50C-407E-A947-70E740481C1C}">
+                <a14:useLocalDpi xmlns:a14="http://schemas.microsoft.com/office/drawing/2010/main" val="0"/>
+              </a:ext>
+            </a:extLst>
+          </a:blip>
+          <a:stretch>
+            <a:fillRect/>
+          </a:stretch>
+        </p:blipFill>
+        <p:spPr>
+          <a:xfrm>
+            <a:off x="6882342" y="1825625"/>
+            <a:ext cx="5048250" cy="3829050"/>
+          </a:xfrm>
+          <a:prstGeom prst="rect">
+            <a:avLst/>
+          </a:prstGeom>
+        </p:spPr>
+      </p:pic>
+    </p:spTree>
+    <p:extLst>
+      <p:ext uri="{BB962C8B-B14F-4D97-AF65-F5344CB8AC3E}">
+        <p14:creationId xmlns:p14="http://schemas.microsoft.com/office/powerpoint/2010/main" val="1083766575"/>
+      </p:ext>
+    </p:extLst>
+  </p:cSld>
+  <p:clrMapOvr>
+    <a:masterClrMapping/>
+  </p:clrMapOvr>
+  <p:timing>
+    <p:tnLst>
+      <p:par>
+        <p:cTn id="1" dur="indefinite" restart="never" nodeType="tmRoot"/>
+      </p:par>
+    </p:tnLst>
+  </p:timing>
+</p:sld>
+</file>
+
+<file path=ppt/slides/slide3.xml><?xml version="1.0" encoding="utf-8"?>
+<p:sld xmlns:a="http://schemas.openxmlformats.org/drawingml/2006/main" xmlns:r="http://schemas.openxmlformats.org/officeDocument/2006/relationships" xmlns:p="http://schemas.openxmlformats.org/presentationml/2006/main">
+  <p:cSld>
+    <p:spTree>
+      <p:nvGrpSpPr>
+        <p:cNvPr id="1" name=""/>
+        <p:cNvGrpSpPr/>
+        <p:nvPr/>
+      </p:nvGrpSpPr>
+      <p:grpSpPr>
+        <a:xfrm>
+          <a:off x="0" y="0"/>
+          <a:ext cx="0" cy="0"/>
+          <a:chOff x="0" y="0"/>
+          <a:chExt cx="0" cy="0"/>
+        </a:xfrm>
+      </p:grpSpPr>
+      <p:sp>
+        <p:nvSpPr>
+          <p:cNvPr id="2" name="Titel 1"/>
+          <p:cNvSpPr>
+            <a:spLocks noGrp="1"/>
+          </p:cNvSpPr>
+          <p:nvPr>
+            <p:ph type="title"/>
+          </p:nvPr>
+        </p:nvSpPr>
+        <p:spPr/>
+        <p:txBody>
+          <a:bodyPr/>
+          <a:lstStyle/>
+          <a:p>
+            <a:r>
+              <a:rPr lang="de-DE" dirty="0" err="1" smtClean="0"/>
+              <a:t>Lessons</a:t>
+            </a:r>
+            <a:r>
+              <a:rPr lang="de-DE" dirty="0" smtClean="0"/>
+              <a:t> </a:t>
+            </a:r>
+            <a:r>
+              <a:rPr lang="de-DE" dirty="0" err="1" smtClean="0"/>
+              <a:t>Learned</a:t>
+            </a:r>
+            <a:endParaRPr lang="de-DE" dirty="0"/>
+          </a:p>
+        </p:txBody>
+      </p:sp>
+      <p:sp>
+        <p:nvSpPr>
+          <p:cNvPr id="3" name="Inhaltsplatzhalter 2"/>
+          <p:cNvSpPr>
+            <a:spLocks noGrp="1"/>
+          </p:cNvSpPr>
+          <p:nvPr>
+            <p:ph idx="1"/>
+          </p:nvPr>
+        </p:nvSpPr>
+        <p:spPr>
+          <a:xfrm>
+            <a:off x="838200" y="1825625"/>
+            <a:ext cx="10727267" cy="4351338"/>
+          </a:xfrm>
+        </p:spPr>
+        <p:txBody>
+          <a:bodyPr/>
+          <a:lstStyle/>
+          <a:p>
+            <a:r>
+              <a:rPr lang="de-DE" dirty="0" smtClean="0"/>
+              <a:t>Version </a:t>
+            </a:r>
+            <a:r>
+              <a:rPr lang="de-DE" dirty="0" err="1" smtClean="0"/>
+              <a:t>Pinning</a:t>
+            </a:r>
+            <a:r>
+              <a:rPr lang="de-DE" dirty="0" smtClean="0"/>
+              <a:t> von Terraform und Provider Versionen</a:t>
+            </a:r>
+          </a:p>
+          <a:p>
+            <a:pPr lvl="1"/>
+            <a:r>
+              <a:rPr lang="de-DE" dirty="0" smtClean="0"/>
+              <a:t>Insbesondere essentiell </a:t>
+            </a:r>
+            <a:r>
+              <a:rPr lang="de-DE" dirty="0"/>
+              <a:t>beim </a:t>
+            </a:r>
+            <a:r>
+              <a:rPr lang="de-DE" dirty="0" err="1"/>
+              <a:t>kollaborativen</a:t>
+            </a:r>
+            <a:r>
+              <a:rPr lang="de-DE" dirty="0"/>
+              <a:t> </a:t>
+            </a:r>
+            <a:r>
+              <a:rPr lang="de-DE" dirty="0" smtClean="0"/>
+              <a:t>Arbeiten</a:t>
+            </a:r>
+          </a:p>
+          <a:p>
+            <a:pPr lvl="1"/>
+            <a:endParaRPr lang="de-DE" dirty="0"/>
+          </a:p>
+          <a:p>
+            <a:r>
+              <a:rPr lang="de-DE" dirty="0" smtClean="0"/>
+              <a:t>Der Terraform State gehört nicht in die Versionskontrolle</a:t>
+            </a:r>
+          </a:p>
+          <a:p>
+            <a:pPr lvl="1"/>
+            <a:r>
+              <a:rPr lang="de-DE" dirty="0" smtClean="0"/>
+              <a:t>State sollte wie ein Secret behandelt werden</a:t>
+            </a:r>
+          </a:p>
+          <a:p>
+            <a:pPr lvl="1"/>
+            <a:r>
+              <a:rPr lang="de-DE" dirty="0" smtClean="0"/>
+              <a:t>Eintrag in .</a:t>
+            </a:r>
+            <a:r>
+              <a:rPr lang="de-DE" dirty="0" err="1" smtClean="0"/>
+              <a:t>gitignore</a:t>
+            </a:r>
+            <a:r>
+              <a:rPr lang="de-DE" dirty="0" smtClean="0"/>
+              <a:t> </a:t>
+            </a:r>
+            <a:endParaRPr lang="de-DE" dirty="0" smtClean="0"/>
+          </a:p>
+        </p:txBody>
+      </p:sp>
+      <p:sp>
+        <p:nvSpPr>
+          <p:cNvPr id="4" name="Textfeld 3"/>
+          <p:cNvSpPr txBox="1"/>
+          <p:nvPr/>
+        </p:nvSpPr>
+        <p:spPr>
+          <a:xfrm>
+            <a:off x="1608667" y="4422637"/>
+            <a:ext cx="2897012" cy="1754326"/>
+          </a:xfrm>
+          <a:prstGeom prst="rect">
+            <a:avLst/>
+          </a:prstGeom>
+          <a:noFill/>
+          <a:ln>
+            <a:solidFill>
+              <a:schemeClr val="tx1"/>
+            </a:solidFill>
+          </a:ln>
+        </p:spPr>
+        <p:txBody>
+          <a:bodyPr wrap="none" rtlCol="0">
+            <a:spAutoFit/>
+          </a:bodyPr>
+          <a:lstStyle/>
+          <a:p>
+            <a:r>
+              <a:rPr lang="de-DE" dirty="0"/>
+              <a:t># </a:t>
+            </a:r>
+            <a:r>
+              <a:rPr lang="de-DE" dirty="0" err="1"/>
+              <a:t>Local</a:t>
+            </a:r>
+            <a:r>
+              <a:rPr lang="de-DE" dirty="0"/>
+              <a:t> .</a:t>
+            </a:r>
+            <a:r>
+              <a:rPr lang="de-DE" dirty="0" err="1"/>
+              <a:t>terraform</a:t>
+            </a:r>
+            <a:r>
+              <a:rPr lang="de-DE" dirty="0"/>
+              <a:t> </a:t>
+            </a:r>
+            <a:r>
+              <a:rPr lang="de-DE" dirty="0" err="1"/>
+              <a:t>directories</a:t>
+            </a:r>
+            <a:endParaRPr lang="de-DE" dirty="0"/>
+          </a:p>
+          <a:p>
+            <a:r>
+              <a:rPr lang="de-DE" dirty="0"/>
+              <a:t>**/.</a:t>
+            </a:r>
+            <a:r>
+              <a:rPr lang="de-DE" dirty="0" err="1"/>
+              <a:t>terraform</a:t>
+            </a:r>
+            <a:r>
+              <a:rPr lang="de-DE" dirty="0"/>
+              <a:t>/*</a:t>
+            </a:r>
+          </a:p>
+          <a:p>
+            <a:endParaRPr lang="de-DE" dirty="0"/>
+          </a:p>
+          <a:p>
+            <a:r>
+              <a:rPr lang="de-DE" dirty="0"/>
+              <a:t># .</a:t>
+            </a:r>
+            <a:r>
+              <a:rPr lang="de-DE" dirty="0" err="1"/>
+              <a:t>tfstate</a:t>
+            </a:r>
+            <a:r>
+              <a:rPr lang="de-DE" dirty="0"/>
+              <a:t> </a:t>
+            </a:r>
+            <a:r>
+              <a:rPr lang="de-DE" dirty="0" err="1"/>
+              <a:t>files</a:t>
+            </a:r>
+            <a:endParaRPr lang="de-DE" dirty="0"/>
+          </a:p>
+          <a:p>
+            <a:r>
+              <a:rPr lang="de-DE" dirty="0"/>
+              <a:t>*.</a:t>
+            </a:r>
+            <a:r>
+              <a:rPr lang="de-DE" dirty="0" err="1"/>
+              <a:t>tfstate</a:t>
+            </a:r>
+            <a:endParaRPr lang="de-DE" dirty="0"/>
+          </a:p>
+          <a:p>
+            <a:r>
+              <a:rPr lang="de-DE" dirty="0"/>
+              <a:t>*.</a:t>
+            </a:r>
+            <a:r>
+              <a:rPr lang="de-DE" dirty="0" err="1"/>
+              <a:t>tfstate</a:t>
+            </a:r>
+            <a:r>
+              <a:rPr lang="de-DE" dirty="0"/>
+              <a:t>.*</a:t>
+            </a:r>
+          </a:p>
+        </p:txBody>
+      </p:sp>
+    </p:spTree>
+    <p:extLst>
+      <p:ext uri="{BB962C8B-B14F-4D97-AF65-F5344CB8AC3E}">
+        <p14:creationId xmlns:p14="http://schemas.microsoft.com/office/powerpoint/2010/main" val="1184829674"/>
+      </p:ext>
+    </p:extLst>
+  </p:cSld>
+  <p:clrMapOvr>
+    <a:masterClrMapping/>
+  </p:clrMapOvr>
+  <p:timing>
+    <p:tnLst>
+      <p:par>
+        <p:cTn id="1" dur="indefinite" restart="never" nodeType="tmRoot"/>
+      </p:par>
+    </p:tnLst>
+  </p:timing>
+</p:sld>
+</file>
+
+<file path=ppt/slides/slide4.xml><?xml version="1.0" encoding="utf-8"?>
+<p:sld xmlns:a="http://schemas.openxmlformats.org/drawingml/2006/main" xmlns:r="http://schemas.openxmlformats.org/officeDocument/2006/relationships" xmlns:p="http://schemas.openxmlformats.org/presentationml/2006/main">
+  <p:cSld>
+    <p:spTree>
+      <p:nvGrpSpPr>
+        <p:cNvPr id="1" name=""/>
+        <p:cNvGrpSpPr/>
+        <p:nvPr/>
+      </p:nvGrpSpPr>
+      <p:grpSpPr>
+        <a:xfrm>
+          <a:off x="0" y="0"/>
+          <a:ext cx="0" cy="0"/>
+          <a:chOff x="0" y="0"/>
+          <a:chExt cx="0" cy="0"/>
+        </a:xfrm>
+      </p:grpSpPr>
+      <p:sp>
+        <p:nvSpPr>
+          <p:cNvPr id="2" name="Titel 1"/>
+          <p:cNvSpPr>
+            <a:spLocks noGrp="1"/>
+          </p:cNvSpPr>
+          <p:nvPr>
+            <p:ph type="title"/>
+          </p:nvPr>
+        </p:nvSpPr>
+        <p:spPr/>
+        <p:txBody>
+          <a:bodyPr/>
+          <a:lstStyle/>
+          <a:p>
+            <a:r>
+              <a:rPr lang="de-DE" dirty="0" err="1" smtClean="0"/>
+              <a:t>Lessons</a:t>
+            </a:r>
+            <a:r>
+              <a:rPr lang="de-DE" dirty="0" smtClean="0"/>
+              <a:t> </a:t>
+            </a:r>
+            <a:r>
+              <a:rPr lang="de-DE" dirty="0" err="1" smtClean="0"/>
+              <a:t>Learned</a:t>
+            </a:r>
+            <a:endParaRPr lang="de-DE" dirty="0"/>
+          </a:p>
+        </p:txBody>
+      </p:sp>
+      <p:sp>
+        <p:nvSpPr>
+          <p:cNvPr id="3" name="Inhaltsplatzhalter 2"/>
+          <p:cNvSpPr>
+            <a:spLocks noGrp="1"/>
+          </p:cNvSpPr>
+          <p:nvPr>
+            <p:ph idx="1"/>
+          </p:nvPr>
+        </p:nvSpPr>
+        <p:spPr>
+          <a:xfrm>
+            <a:off x="838200" y="1825625"/>
+            <a:ext cx="10515600" cy="4351338"/>
+          </a:xfrm>
+        </p:spPr>
+        <p:txBody>
+          <a:bodyPr/>
+          <a:lstStyle/>
+          <a:p>
+            <a:r>
+              <a:rPr lang="de-DE" dirty="0" smtClean="0"/>
+              <a:t>Stimmt euch frühzeitig im Team über </a:t>
+            </a:r>
+            <a:r>
+              <a:rPr lang="de-DE" dirty="0" err="1" smtClean="0"/>
+              <a:t>Naming</a:t>
+            </a:r>
+            <a:r>
+              <a:rPr lang="de-DE" dirty="0" err="1" smtClean="0"/>
+              <a:t>-Conventions</a:t>
+            </a:r>
+            <a:r>
+              <a:rPr lang="de-DE" dirty="0" smtClean="0"/>
+              <a:t> ab</a:t>
+            </a:r>
+          </a:p>
+          <a:p>
+            <a:pPr lvl="1"/>
+            <a:r>
+              <a:rPr lang="de-DE" dirty="0" smtClean="0"/>
+              <a:t>Module und Variablen nach Fachlichkeit benennen, nicht nach Technologie/Datentyp</a:t>
+            </a:r>
+          </a:p>
+          <a:p>
+            <a:pPr lvl="1"/>
+            <a:r>
+              <a:rPr lang="de-DE" dirty="0" smtClean="0"/>
+              <a:t>Variablennamen in </a:t>
+            </a:r>
+            <a:r>
+              <a:rPr lang="de-DE" dirty="0" err="1" smtClean="0"/>
+              <a:t>snake_case</a:t>
+            </a:r>
+            <a:endParaRPr lang="de-DE" dirty="0" smtClean="0"/>
+          </a:p>
+          <a:p>
+            <a:pPr lvl="2"/>
+            <a:endParaRPr lang="de-DE" dirty="0" smtClean="0"/>
+          </a:p>
+          <a:p>
+            <a:pPr marL="914400" lvl="2" indent="0">
+              <a:buNone/>
+            </a:pPr>
+            <a:endParaRPr lang="de-DE" dirty="0" smtClean="0"/>
+          </a:p>
+          <a:p>
+            <a:r>
+              <a:rPr lang="de-DE" dirty="0" smtClean="0"/>
+              <a:t>Projekte möglichst übersichtlich halten</a:t>
+            </a:r>
+          </a:p>
+          <a:p>
+            <a:pPr lvl="1"/>
+            <a:r>
+              <a:rPr lang="de-DE" dirty="0" smtClean="0"/>
+              <a:t>Nicht die komplette Infrastruktur eines Unternehmens in einem Projekt</a:t>
+            </a:r>
+          </a:p>
+          <a:p>
+            <a:pPr lvl="1"/>
+            <a:r>
+              <a:rPr lang="de-DE" dirty="0" smtClean="0"/>
+              <a:t>Lieber kleine übersichtliche Module</a:t>
+            </a:r>
+            <a:endParaRPr lang="de-DE" dirty="0" smtClean="0"/>
+          </a:p>
+        </p:txBody>
+      </p:sp>
+    </p:spTree>
+    <p:extLst>
+      <p:ext uri="{BB962C8B-B14F-4D97-AF65-F5344CB8AC3E}">
+        <p14:creationId xmlns:p14="http://schemas.microsoft.com/office/powerpoint/2010/main" val="197022508"/>
       </p:ext>
     </p:extLst>
   </p:cSld>

--- a/Modul_10_Tipps/Tipps.pptx
+++ b/Modul_10_Tipps/Tipps.pptx
@@ -5,13 +5,15 @@
     <p:sldMasterId id="2147483648" r:id="rId1"/>
   </p:sldMasterIdLst>
   <p:notesMasterIdLst>
-    <p:notesMasterId r:id="rId6"/>
+    <p:notesMasterId r:id="rId8"/>
   </p:notesMasterIdLst>
   <p:sldIdLst>
     <p:sldId id="258" r:id="rId2"/>
     <p:sldId id="259" r:id="rId3"/>
     <p:sldId id="260" r:id="rId4"/>
     <p:sldId id="261" r:id="rId5"/>
+    <p:sldId id="262" r:id="rId6"/>
+    <p:sldId id="263" r:id="rId7"/>
   </p:sldIdLst>
   <p:sldSz cx="12192000" cy="6858000"/>
   <p:notesSz cx="6858000" cy="9144000"/>
@@ -200,7 +202,7 @@
           <a:p>
             <a:fld id="{E9DAB8B5-B9A3-426D-91D9-D7966B0F2B79}" type="datetimeFigureOut">
               <a:rPr lang="de-DE" smtClean="0"/>
-              <a:t>21.11.2021</a:t>
+              <a:t>22.11.2021</a:t>
             </a:fld>
             <a:endParaRPr lang="de-DE"/>
           </a:p>
@@ -935,7 +937,7 @@
           <a:p>
             <a:fld id="{6CBA03CC-73C5-46A8-8DFB-B5DC4577D8E2}" type="datetimeFigureOut">
               <a:rPr lang="de-DE" smtClean="0"/>
-              <a:t>21.11.2021</a:t>
+              <a:t>22.11.2021</a:t>
             </a:fld>
             <a:endParaRPr lang="de-DE"/>
           </a:p>
@@ -1105,7 +1107,7 @@
           <a:p>
             <a:fld id="{6CBA03CC-73C5-46A8-8DFB-B5DC4577D8E2}" type="datetimeFigureOut">
               <a:rPr lang="de-DE" smtClean="0"/>
-              <a:t>21.11.2021</a:t>
+              <a:t>22.11.2021</a:t>
             </a:fld>
             <a:endParaRPr lang="de-DE"/>
           </a:p>
@@ -1285,7 +1287,7 @@
           <a:p>
             <a:fld id="{6CBA03CC-73C5-46A8-8DFB-B5DC4577D8E2}" type="datetimeFigureOut">
               <a:rPr lang="de-DE" smtClean="0"/>
-              <a:t>21.11.2021</a:t>
+              <a:t>22.11.2021</a:t>
             </a:fld>
             <a:endParaRPr lang="de-DE"/>
           </a:p>
@@ -1455,7 +1457,7 @@
           <a:p>
             <a:fld id="{6CBA03CC-73C5-46A8-8DFB-B5DC4577D8E2}" type="datetimeFigureOut">
               <a:rPr lang="de-DE" smtClean="0"/>
-              <a:t>21.11.2021</a:t>
+              <a:t>22.11.2021</a:t>
             </a:fld>
             <a:endParaRPr lang="de-DE"/>
           </a:p>
@@ -1701,7 +1703,7 @@
           <a:p>
             <a:fld id="{6CBA03CC-73C5-46A8-8DFB-B5DC4577D8E2}" type="datetimeFigureOut">
               <a:rPr lang="de-DE" smtClean="0"/>
-              <a:t>21.11.2021</a:t>
+              <a:t>22.11.2021</a:t>
             </a:fld>
             <a:endParaRPr lang="de-DE"/>
           </a:p>
@@ -1933,7 +1935,7 @@
           <a:p>
             <a:fld id="{6CBA03CC-73C5-46A8-8DFB-B5DC4577D8E2}" type="datetimeFigureOut">
               <a:rPr lang="de-DE" smtClean="0"/>
-              <a:t>21.11.2021</a:t>
+              <a:t>22.11.2021</a:t>
             </a:fld>
             <a:endParaRPr lang="de-DE"/>
           </a:p>
@@ -2300,7 +2302,7 @@
           <a:p>
             <a:fld id="{6CBA03CC-73C5-46A8-8DFB-B5DC4577D8E2}" type="datetimeFigureOut">
               <a:rPr lang="de-DE" smtClean="0"/>
-              <a:t>21.11.2021</a:t>
+              <a:t>22.11.2021</a:t>
             </a:fld>
             <a:endParaRPr lang="de-DE"/>
           </a:p>
@@ -2418,7 +2420,7 @@
           <a:p>
             <a:fld id="{6CBA03CC-73C5-46A8-8DFB-B5DC4577D8E2}" type="datetimeFigureOut">
               <a:rPr lang="de-DE" smtClean="0"/>
-              <a:t>21.11.2021</a:t>
+              <a:t>22.11.2021</a:t>
             </a:fld>
             <a:endParaRPr lang="de-DE"/>
           </a:p>
@@ -2513,7 +2515,7 @@
           <a:p>
             <a:fld id="{6CBA03CC-73C5-46A8-8DFB-B5DC4577D8E2}" type="datetimeFigureOut">
               <a:rPr lang="de-DE" smtClean="0"/>
-              <a:t>21.11.2021</a:t>
+              <a:t>22.11.2021</a:t>
             </a:fld>
             <a:endParaRPr lang="de-DE"/>
           </a:p>
@@ -2790,7 +2792,7 @@
           <a:p>
             <a:fld id="{6CBA03CC-73C5-46A8-8DFB-B5DC4577D8E2}" type="datetimeFigureOut">
               <a:rPr lang="de-DE" smtClean="0"/>
-              <a:t>21.11.2021</a:t>
+              <a:t>22.11.2021</a:t>
             </a:fld>
             <a:endParaRPr lang="de-DE"/>
           </a:p>
@@ -3043,7 +3045,7 @@
           <a:p>
             <a:fld id="{6CBA03CC-73C5-46A8-8DFB-B5DC4577D8E2}" type="datetimeFigureOut">
               <a:rPr lang="de-DE" smtClean="0"/>
-              <a:t>21.11.2021</a:t>
+              <a:t>22.11.2021</a:t>
             </a:fld>
             <a:endParaRPr lang="de-DE"/>
           </a:p>
@@ -3256,7 +3258,7 @@
           <a:p>
             <a:fld id="{6CBA03CC-73C5-46A8-8DFB-B5DC4577D8E2}" type="datetimeFigureOut">
               <a:rPr lang="de-DE" smtClean="0"/>
-              <a:t>21.11.2021</a:t>
+              <a:t>22.11.2021</a:t>
             </a:fld>
             <a:endParaRPr lang="de-DE"/>
           </a:p>
@@ -3758,11 +3760,15 @@
             </a:r>
             <a:r>
               <a:rPr lang="de-DE" dirty="0" err="1" smtClean="0"/>
-              <a:t>gemanged</a:t>
+              <a:t>gemanaged</a:t>
             </a:r>
             <a:r>
               <a:rPr lang="de-DE" dirty="0" smtClean="0"/>
-              <a:t> werden</a:t>
+              <a:t> </a:t>
+            </a:r>
+            <a:r>
+              <a:rPr lang="de-DE" dirty="0" smtClean="0"/>
+              <a:t>werden</a:t>
             </a:r>
           </a:p>
         </p:txBody>
@@ -4386,7 +4392,6 @@
               <a:rPr lang="de-DE" dirty="0" smtClean="0"/>
               <a:t> </a:t>
             </a:r>
-            <a:endParaRPr lang="de-DE" dirty="0" smtClean="0"/>
           </a:p>
         </p:txBody>
       </p:sp>
@@ -4600,11 +4605,7 @@
             </a:r>
             <a:r>
               <a:rPr lang="de-DE" dirty="0" err="1" smtClean="0"/>
-              <a:t>Naming</a:t>
-            </a:r>
-            <a:r>
-              <a:rPr lang="de-DE" dirty="0" err="1" smtClean="0"/>
-              <a:t>-Conventions</a:t>
+              <a:t>Naming-Conventions</a:t>
             </a:r>
             <a:r>
               <a:rPr lang="de-DE" dirty="0" smtClean="0"/>
@@ -4659,7 +4660,6 @@
               <a:rPr lang="de-DE" dirty="0" smtClean="0"/>
               <a:t>Lieber kleine übersichtliche Module</a:t>
             </a:r>
-            <a:endParaRPr lang="de-DE" dirty="0" smtClean="0"/>
           </a:p>
         </p:txBody>
       </p:sp>
@@ -4680,6 +4680,309 @@
       </p:par>
     </p:tnLst>
   </p:timing>
+</p:sld>
+</file>
+
+<file path=ppt/slides/slide5.xml><?xml version="1.0" encoding="utf-8"?>
+<p:sld xmlns:a="http://schemas.openxmlformats.org/drawingml/2006/main" xmlns:r="http://schemas.openxmlformats.org/officeDocument/2006/relationships" xmlns:p="http://schemas.openxmlformats.org/presentationml/2006/main">
+  <p:cSld>
+    <p:spTree>
+      <p:nvGrpSpPr>
+        <p:cNvPr id="1" name=""/>
+        <p:cNvGrpSpPr/>
+        <p:nvPr/>
+      </p:nvGrpSpPr>
+      <p:grpSpPr>
+        <a:xfrm>
+          <a:off x="0" y="0"/>
+          <a:ext cx="0" cy="0"/>
+          <a:chOff x="0" y="0"/>
+          <a:chExt cx="0" cy="0"/>
+        </a:xfrm>
+      </p:grpSpPr>
+      <p:sp>
+        <p:nvSpPr>
+          <p:cNvPr id="2" name="Titel 1"/>
+          <p:cNvSpPr>
+            <a:spLocks noGrp="1"/>
+          </p:cNvSpPr>
+          <p:nvPr>
+            <p:ph type="title"/>
+          </p:nvPr>
+        </p:nvSpPr>
+        <p:spPr/>
+        <p:txBody>
+          <a:bodyPr/>
+          <a:lstStyle/>
+          <a:p>
+            <a:r>
+              <a:rPr lang="de-DE" dirty="0" err="1" smtClean="0"/>
+              <a:t>Lessons</a:t>
+            </a:r>
+            <a:r>
+              <a:rPr lang="de-DE" dirty="0" smtClean="0"/>
+              <a:t> </a:t>
+            </a:r>
+            <a:r>
+              <a:rPr lang="de-DE" dirty="0" err="1" smtClean="0"/>
+              <a:t>Learned</a:t>
+            </a:r>
+            <a:endParaRPr lang="de-DE" dirty="0"/>
+          </a:p>
+        </p:txBody>
+      </p:sp>
+      <p:sp>
+        <p:nvSpPr>
+          <p:cNvPr id="3" name="Inhaltsplatzhalter 2"/>
+          <p:cNvSpPr>
+            <a:spLocks noGrp="1"/>
+          </p:cNvSpPr>
+          <p:nvPr>
+            <p:ph idx="1"/>
+          </p:nvPr>
+        </p:nvSpPr>
+        <p:spPr>
+          <a:xfrm>
+            <a:off x="838200" y="1870780"/>
+            <a:ext cx="10515600" cy="4351338"/>
+          </a:xfrm>
+        </p:spPr>
+        <p:txBody>
+          <a:bodyPr/>
+          <a:lstStyle/>
+          <a:p>
+            <a:r>
+              <a:rPr lang="de-DE" dirty="0" err="1"/>
+              <a:t>Breaking</a:t>
+            </a:r>
+            <a:r>
+              <a:rPr lang="de-DE" dirty="0"/>
+              <a:t> </a:t>
+            </a:r>
+            <a:r>
+              <a:rPr lang="de-DE" dirty="0" err="1"/>
+              <a:t>Changes</a:t>
+            </a:r>
+            <a:r>
+              <a:rPr lang="de-DE" dirty="0"/>
+              <a:t> an APIs und Providern erfordern Code-Anpassungen</a:t>
+            </a:r>
+          </a:p>
+          <a:p>
+            <a:pPr marL="457200" lvl="1" indent="0">
+              <a:buNone/>
+            </a:pPr>
+            <a:endParaRPr lang="de-DE" dirty="0"/>
+          </a:p>
+          <a:p>
+            <a:r>
+              <a:rPr lang="de-DE" dirty="0" smtClean="0"/>
+              <a:t>Pseudo-</a:t>
+            </a:r>
+            <a:r>
+              <a:rPr lang="de-DE" dirty="0" err="1" smtClean="0"/>
+              <a:t>Changes</a:t>
+            </a:r>
+            <a:r>
+              <a:rPr lang="de-DE" dirty="0" smtClean="0"/>
+              <a:t> können auftreten</a:t>
+            </a:r>
+          </a:p>
+          <a:p>
+            <a:pPr lvl="1"/>
+            <a:r>
+              <a:rPr lang="de-DE" dirty="0" smtClean="0"/>
+              <a:t>Provider Bugs, falsche Abhängigkeiten</a:t>
+            </a:r>
+          </a:p>
+          <a:p>
+            <a:pPr lvl="1"/>
+            <a:endParaRPr lang="de-DE" dirty="0"/>
+          </a:p>
+          <a:p>
+            <a:r>
+              <a:rPr lang="de-DE" dirty="0" err="1" smtClean="0"/>
+              <a:t>Changes</a:t>
+            </a:r>
+            <a:r>
+              <a:rPr lang="de-DE" dirty="0" smtClean="0"/>
+              <a:t> durch Encoding-Probleme</a:t>
+            </a:r>
+          </a:p>
+          <a:p>
+            <a:pPr lvl="1"/>
+            <a:r>
+              <a:rPr lang="de-DE" dirty="0" smtClean="0"/>
+              <a:t>Windows/Mac Line-Feed</a:t>
+            </a:r>
+            <a:endParaRPr lang="de-DE" dirty="0"/>
+          </a:p>
+        </p:txBody>
+      </p:sp>
+    </p:spTree>
+    <p:extLst>
+      <p:ext uri="{BB962C8B-B14F-4D97-AF65-F5344CB8AC3E}">
+        <p14:creationId xmlns:p14="http://schemas.microsoft.com/office/powerpoint/2010/main" val="3793461159"/>
+      </p:ext>
+    </p:extLst>
+  </p:cSld>
+  <p:clrMapOvr>
+    <a:masterClrMapping/>
+  </p:clrMapOvr>
+</p:sld>
+</file>
+
+<file path=ppt/slides/slide6.xml><?xml version="1.0" encoding="utf-8"?>
+<p:sld xmlns:a="http://schemas.openxmlformats.org/drawingml/2006/main" xmlns:r="http://schemas.openxmlformats.org/officeDocument/2006/relationships" xmlns:p="http://schemas.openxmlformats.org/presentationml/2006/main">
+  <p:cSld>
+    <p:spTree>
+      <p:nvGrpSpPr>
+        <p:cNvPr id="1" name=""/>
+        <p:cNvGrpSpPr/>
+        <p:nvPr/>
+      </p:nvGrpSpPr>
+      <p:grpSpPr>
+        <a:xfrm>
+          <a:off x="0" y="0"/>
+          <a:ext cx="0" cy="0"/>
+          <a:chOff x="0" y="0"/>
+          <a:chExt cx="0" cy="0"/>
+        </a:xfrm>
+      </p:grpSpPr>
+      <p:sp>
+        <p:nvSpPr>
+          <p:cNvPr id="2" name="Titel 1"/>
+          <p:cNvSpPr>
+            <a:spLocks noGrp="1"/>
+          </p:cNvSpPr>
+          <p:nvPr>
+            <p:ph type="title"/>
+          </p:nvPr>
+        </p:nvSpPr>
+        <p:spPr/>
+        <p:txBody>
+          <a:bodyPr/>
+          <a:lstStyle/>
+          <a:p>
+            <a:r>
+              <a:rPr lang="de-DE" dirty="0" err="1" smtClean="0"/>
+              <a:t>Lessons</a:t>
+            </a:r>
+            <a:r>
+              <a:rPr lang="de-DE" dirty="0" smtClean="0"/>
+              <a:t> </a:t>
+            </a:r>
+            <a:r>
+              <a:rPr lang="de-DE" dirty="0" err="1" smtClean="0"/>
+              <a:t>Learned</a:t>
+            </a:r>
+            <a:endParaRPr lang="de-DE" dirty="0"/>
+          </a:p>
+        </p:txBody>
+      </p:sp>
+      <p:sp>
+        <p:nvSpPr>
+          <p:cNvPr id="3" name="Inhaltsplatzhalter 2"/>
+          <p:cNvSpPr>
+            <a:spLocks noGrp="1"/>
+          </p:cNvSpPr>
+          <p:nvPr>
+            <p:ph idx="1"/>
+          </p:nvPr>
+        </p:nvSpPr>
+        <p:spPr/>
+        <p:txBody>
+          <a:bodyPr/>
+          <a:lstStyle/>
+          <a:p>
+            <a:r>
+              <a:rPr lang="de-DE" dirty="0"/>
+              <a:t>Testen des Terraform Codes </a:t>
+            </a:r>
+            <a:r>
+              <a:rPr lang="de-DE" dirty="0" smtClean="0"/>
+              <a:t>schwierig</a:t>
+            </a:r>
+          </a:p>
+          <a:p>
+            <a:pPr lvl="1"/>
+            <a:r>
+              <a:rPr lang="de-DE" dirty="0" smtClean="0"/>
+              <a:t>Zeitaufwändig</a:t>
+            </a:r>
+          </a:p>
+          <a:p>
+            <a:pPr lvl="1"/>
+            <a:r>
+              <a:rPr lang="de-DE" dirty="0" smtClean="0"/>
+              <a:t>Komplexität</a:t>
+            </a:r>
+            <a:endParaRPr lang="de-DE" dirty="0"/>
+          </a:p>
+          <a:p>
+            <a:r>
+              <a:rPr lang="de-DE" dirty="0"/>
+              <a:t>Empfehlung </a:t>
+            </a:r>
+            <a:r>
+              <a:rPr lang="de-DE" dirty="0" smtClean="0"/>
+              <a:t>Integrationstests</a:t>
+            </a:r>
+          </a:p>
+          <a:p>
+            <a:r>
+              <a:rPr lang="de-DE" dirty="0" smtClean="0"/>
+              <a:t>Tools zu Evaluieren</a:t>
+            </a:r>
+          </a:p>
+          <a:p>
+            <a:pPr lvl="1"/>
+            <a:r>
+              <a:rPr lang="de-DE" dirty="0" err="1" smtClean="0"/>
+              <a:t>terratest</a:t>
+            </a:r>
+            <a:endParaRPr lang="de-DE" dirty="0"/>
+          </a:p>
+          <a:p>
+            <a:pPr lvl="1"/>
+            <a:r>
+              <a:rPr lang="de-DE" u="sng" dirty="0">
+                <a:hlinkClick r:id="rId2" tooltip="https://github.com/lreimer/iac-testing/tree/main/terraform"/>
+              </a:rPr>
+              <a:t>https://</a:t>
+            </a:r>
+            <a:r>
+              <a:rPr lang="de-DE" u="sng" dirty="0" smtClean="0">
+                <a:hlinkClick r:id="rId2" tooltip="https://github.com/lreimer/iac-testing/tree/main/terraform"/>
+              </a:rPr>
+              <a:t>github.com/lreimer/iac-testing/tree/main/terraform</a:t>
+            </a:r>
+            <a:endParaRPr lang="de-DE" u="sng" dirty="0" smtClean="0"/>
+          </a:p>
+          <a:p>
+            <a:pPr marL="457200" lvl="1" indent="0">
+              <a:buNone/>
+            </a:pPr>
+            <a:endParaRPr lang="de-DE" dirty="0"/>
+          </a:p>
+          <a:p>
+            <a:endParaRPr lang="de-DE" dirty="0" smtClean="0"/>
+          </a:p>
+          <a:p>
+            <a:endParaRPr lang="de-DE" dirty="0"/>
+          </a:p>
+        </p:txBody>
+      </p:sp>
+    </p:spTree>
+    <p:extLst>
+      <p:ext uri="{BB962C8B-B14F-4D97-AF65-F5344CB8AC3E}">
+        <p14:creationId xmlns:p14="http://schemas.microsoft.com/office/powerpoint/2010/main" val="822938290"/>
+      </p:ext>
+    </p:extLst>
+  </p:cSld>
+  <p:clrMapOvr>
+    <a:masterClrMapping/>
+  </p:clrMapOvr>
 </p:sld>
 </file>
 
